--- a/簡報1.pptx
+++ b/簡報1.pptx
@@ -255,7 +255,7 @@
           <a:p>
             <a:fld id="{BE6833E2-3C21-432E-A612-F0C1588A67C8}" type="datetimeFigureOut">
               <a:rPr lang="zh-TW" altLang="en-US" smtClean="0"/>
-              <a:t>2020/1/18</a:t>
+              <a:t>2020/5/26</a:t>
             </a:fld>
             <a:endParaRPr lang="zh-TW" altLang="en-US"/>
           </a:p>
@@ -425,7 +425,7 @@
           <a:p>
             <a:fld id="{BE6833E2-3C21-432E-A612-F0C1588A67C8}" type="datetimeFigureOut">
               <a:rPr lang="zh-TW" altLang="en-US" smtClean="0"/>
-              <a:t>2020/1/18</a:t>
+              <a:t>2020/5/26</a:t>
             </a:fld>
             <a:endParaRPr lang="zh-TW" altLang="en-US"/>
           </a:p>
@@ -605,7 +605,7 @@
           <a:p>
             <a:fld id="{BE6833E2-3C21-432E-A612-F0C1588A67C8}" type="datetimeFigureOut">
               <a:rPr lang="zh-TW" altLang="en-US" smtClean="0"/>
-              <a:t>2020/1/18</a:t>
+              <a:t>2020/5/26</a:t>
             </a:fld>
             <a:endParaRPr lang="zh-TW" altLang="en-US"/>
           </a:p>
@@ -775,7 +775,7 @@
           <a:p>
             <a:fld id="{BE6833E2-3C21-432E-A612-F0C1588A67C8}" type="datetimeFigureOut">
               <a:rPr lang="zh-TW" altLang="en-US" smtClean="0"/>
-              <a:t>2020/1/18</a:t>
+              <a:t>2020/5/26</a:t>
             </a:fld>
             <a:endParaRPr lang="zh-TW" altLang="en-US"/>
           </a:p>
@@ -1021,7 +1021,7 @@
           <a:p>
             <a:fld id="{BE6833E2-3C21-432E-A612-F0C1588A67C8}" type="datetimeFigureOut">
               <a:rPr lang="zh-TW" altLang="en-US" smtClean="0"/>
-              <a:t>2020/1/18</a:t>
+              <a:t>2020/5/26</a:t>
             </a:fld>
             <a:endParaRPr lang="zh-TW" altLang="en-US"/>
           </a:p>
@@ -1253,7 +1253,7 @@
           <a:p>
             <a:fld id="{BE6833E2-3C21-432E-A612-F0C1588A67C8}" type="datetimeFigureOut">
               <a:rPr lang="zh-TW" altLang="en-US" smtClean="0"/>
-              <a:t>2020/1/18</a:t>
+              <a:t>2020/5/26</a:t>
             </a:fld>
             <a:endParaRPr lang="zh-TW" altLang="en-US"/>
           </a:p>
@@ -1620,7 +1620,7 @@
           <a:p>
             <a:fld id="{BE6833E2-3C21-432E-A612-F0C1588A67C8}" type="datetimeFigureOut">
               <a:rPr lang="zh-TW" altLang="en-US" smtClean="0"/>
-              <a:t>2020/1/18</a:t>
+              <a:t>2020/5/26</a:t>
             </a:fld>
             <a:endParaRPr lang="zh-TW" altLang="en-US"/>
           </a:p>
@@ -1738,7 +1738,7 @@
           <a:p>
             <a:fld id="{BE6833E2-3C21-432E-A612-F0C1588A67C8}" type="datetimeFigureOut">
               <a:rPr lang="zh-TW" altLang="en-US" smtClean="0"/>
-              <a:t>2020/1/18</a:t>
+              <a:t>2020/5/26</a:t>
             </a:fld>
             <a:endParaRPr lang="zh-TW" altLang="en-US"/>
           </a:p>
@@ -1833,7 +1833,7 @@
           <a:p>
             <a:fld id="{BE6833E2-3C21-432E-A612-F0C1588A67C8}" type="datetimeFigureOut">
               <a:rPr lang="zh-TW" altLang="en-US" smtClean="0"/>
-              <a:t>2020/1/18</a:t>
+              <a:t>2020/5/26</a:t>
             </a:fld>
             <a:endParaRPr lang="zh-TW" altLang="en-US"/>
           </a:p>
@@ -2110,7 +2110,7 @@
           <a:p>
             <a:fld id="{BE6833E2-3C21-432E-A612-F0C1588A67C8}" type="datetimeFigureOut">
               <a:rPr lang="zh-TW" altLang="en-US" smtClean="0"/>
-              <a:t>2020/1/18</a:t>
+              <a:t>2020/5/26</a:t>
             </a:fld>
             <a:endParaRPr lang="zh-TW" altLang="en-US"/>
           </a:p>
@@ -2363,7 +2363,7 @@
           <a:p>
             <a:fld id="{BE6833E2-3C21-432E-A612-F0C1588A67C8}" type="datetimeFigureOut">
               <a:rPr lang="zh-TW" altLang="en-US" smtClean="0"/>
-              <a:t>2020/1/18</a:t>
+              <a:t>2020/5/26</a:t>
             </a:fld>
             <a:endParaRPr lang="zh-TW" altLang="en-US"/>
           </a:p>
@@ -2576,7 +2576,7 @@
           <a:p>
             <a:fld id="{BE6833E2-3C21-432E-A612-F0C1588A67C8}" type="datetimeFigureOut">
               <a:rPr lang="zh-TW" altLang="en-US" smtClean="0"/>
-              <a:t>2020/1/18</a:t>
+              <a:t>2020/5/26</a:t>
             </a:fld>
             <a:endParaRPr lang="zh-TW" altLang="en-US"/>
           </a:p>
@@ -4001,13 +4001,28 @@
                   <a:ea typeface="Adobe 繁黑體 Std B" panose="020B0700000000000000" pitchFamily="34" charset="-120"/>
                   <a:cs typeface="Times New Roman" panose="02020603050405020304" pitchFamily="18" charset="0"/>
                 </a:rPr>
-                <a:t>海域空間規劃管理</a:t>
+                <a:t>海域空間</a:t>
               </a:r>
-              <a:endParaRPr lang="zh-TW" sz="1400" dirty="0">
+              <a:r>
+                <a:rPr lang="zh-TW" sz="1400" dirty="0" smtClean="0">
+                  <a:solidFill>
+                    <a:srgbClr val="000000"/>
+                  </a:solidFill>
+                  <a:effectLst/>
+                  <a:latin typeface="Adobe 繁黑體 Std B" panose="020B0700000000000000" pitchFamily="34" charset="-120"/>
+                  <a:ea typeface="Adobe 繁黑體 Std B" panose="020B0700000000000000" pitchFamily="34" charset="-120"/>
+                  <a:cs typeface="Times New Roman" panose="02020603050405020304" pitchFamily="18" charset="0"/>
+                </a:rPr>
+                <a:t>規劃</a:t>
+              </a:r>
+              <a:endParaRPr lang="en-US" altLang="zh-TW" sz="1400" dirty="0" smtClean="0">
+                <a:solidFill>
+                  <a:srgbClr val="000000"/>
+                </a:solidFill>
                 <a:effectLst/>
                 <a:latin typeface="Adobe 繁黑體 Std B" panose="020B0700000000000000" pitchFamily="34" charset="-120"/>
                 <a:ea typeface="Adobe 繁黑體 Std B" panose="020B0700000000000000" pitchFamily="34" charset="-120"/>
-                <a:cs typeface="新細明體" panose="02020500000000000000" pitchFamily="18" charset="-120"/>
+                <a:cs typeface="Times New Roman" panose="02020603050405020304" pitchFamily="18" charset="0"/>
               </a:endParaRPr>
             </a:p>
             <a:p>
@@ -4020,22 +4035,24 @@
                 </a:spcAft>
               </a:pPr>
               <a:r>
-                <a:rPr lang="zh-TW" sz="1400" dirty="0">
+                <a:rPr lang="zh-TW" altLang="en-US" sz="1400" dirty="0">
                   <a:solidFill>
                     <a:srgbClr val="000000"/>
                   </a:solidFill>
-                  <a:effectLst/>
                   <a:latin typeface="Adobe 繁黑體 Std B" panose="020B0700000000000000" pitchFamily="34" charset="-120"/>
                   <a:ea typeface="Adobe 繁黑體 Std B" panose="020B0700000000000000" pitchFamily="34" charset="-120"/>
                   <a:cs typeface="Times New Roman" panose="02020603050405020304" pitchFamily="18" charset="0"/>
                 </a:rPr>
-                <a:t>營建專案管理</a:t>
+                <a:t>海事工程施工技術</a:t>
               </a:r>
-              <a:endParaRPr lang="zh-TW" sz="1400" dirty="0">
+              <a:endParaRPr lang="en-US" altLang="zh-TW" sz="1400" dirty="0" smtClean="0">
+                <a:solidFill>
+                  <a:srgbClr val="000000"/>
+                </a:solidFill>
                 <a:effectLst/>
                 <a:latin typeface="Adobe 繁黑體 Std B" panose="020B0700000000000000" pitchFamily="34" charset="-120"/>
                 <a:ea typeface="Adobe 繁黑體 Std B" panose="020B0700000000000000" pitchFamily="34" charset="-120"/>
-                <a:cs typeface="新細明體" panose="02020500000000000000" pitchFamily="18" charset="-120"/>
+                <a:cs typeface="Times New Roman" panose="02020603050405020304" pitchFamily="18" charset="0"/>
               </a:endParaRPr>
             </a:p>
             <a:p>
@@ -4048,22 +4065,139 @@
                 </a:spcAft>
               </a:pPr>
               <a:r>
-                <a:rPr lang="zh-TW" sz="1400" dirty="0">
+                <a:rPr lang="zh-TW" altLang="en-US" sz="1400" dirty="0">
                   <a:solidFill>
                     <a:srgbClr val="000000"/>
                   </a:solidFill>
-                  <a:effectLst/>
                   <a:latin typeface="Adobe 繁黑體 Std B" panose="020B0700000000000000" pitchFamily="34" charset="-120"/>
                   <a:ea typeface="Adobe 繁黑體 Std B" panose="020B0700000000000000" pitchFamily="34" charset="-120"/>
                   <a:cs typeface="Times New Roman" panose="02020603050405020304" pitchFamily="18" charset="0"/>
                 </a:rPr>
-                <a:t>施工技術與管理</a:t>
+                <a:t>船舶施工規劃</a:t>
               </a:r>
-              <a:endParaRPr lang="zh-TW" sz="1400" dirty="0">
-                <a:effectLst/>
+            </a:p>
+            <a:p>
+              <a:pPr>
+                <a:lnSpc>
+                  <a:spcPct val="150000"/>
+                </a:lnSpc>
+                <a:spcAft>
+                  <a:spcPts val="0"/>
+                </a:spcAft>
+              </a:pPr>
+              <a:r>
+                <a:rPr lang="zh-TW" altLang="en-US" sz="1400" dirty="0">
+                  <a:solidFill>
+                    <a:srgbClr val="000000"/>
+                  </a:solidFill>
+                  <a:latin typeface="Adobe 繁黑體 Std B" panose="020B0700000000000000" pitchFamily="34" charset="-120"/>
+                  <a:ea typeface="Adobe 繁黑體 Std B" panose="020B0700000000000000" pitchFamily="34" charset="-120"/>
+                  <a:cs typeface="Times New Roman" panose="02020603050405020304" pitchFamily="18" charset="0"/>
+                </a:rPr>
+                <a:t>重件碼頭作業管理</a:t>
+              </a:r>
+            </a:p>
+            <a:p>
+              <a:pPr>
+                <a:lnSpc>
+                  <a:spcPct val="150000"/>
+                </a:lnSpc>
+                <a:spcAft>
+                  <a:spcPts val="0"/>
+                </a:spcAft>
+              </a:pPr>
+              <a:r>
+                <a:rPr lang="zh-TW" altLang="en-US" sz="1400" dirty="0">
+                  <a:solidFill>
+                    <a:srgbClr val="000000"/>
+                  </a:solidFill>
+                  <a:latin typeface="Adobe 繁黑體 Std B" panose="020B0700000000000000" pitchFamily="34" charset="-120"/>
+                  <a:ea typeface="Adobe 繁黑體 Std B" panose="020B0700000000000000" pitchFamily="34" charset="-120"/>
+                  <a:cs typeface="Times New Roman" panose="02020603050405020304" pitchFamily="18" charset="0"/>
+                </a:rPr>
+                <a:t>海事工程風險分析及管理</a:t>
+              </a:r>
+            </a:p>
+            <a:p>
+              <a:pPr>
+                <a:lnSpc>
+                  <a:spcPct val="150000"/>
+                </a:lnSpc>
+                <a:spcAft>
+                  <a:spcPts val="0"/>
+                </a:spcAft>
+              </a:pPr>
+              <a:r>
+                <a:rPr lang="zh-TW" altLang="en-US" sz="1400" dirty="0">
+                  <a:solidFill>
+                    <a:srgbClr val="000000"/>
+                  </a:solidFill>
+                  <a:latin typeface="Adobe 繁黑體 Std B" panose="020B0700000000000000" pitchFamily="34" charset="-120"/>
+                  <a:ea typeface="Adobe 繁黑體 Std B" panose="020B0700000000000000" pitchFamily="34" charset="-120"/>
+                  <a:cs typeface="Times New Roman" panose="02020603050405020304" pitchFamily="18" charset="0"/>
+                </a:rPr>
+                <a:t>工程估價、發包與契約</a:t>
+              </a:r>
+            </a:p>
+            <a:p>
+              <a:pPr>
+                <a:lnSpc>
+                  <a:spcPct val="150000"/>
+                </a:lnSpc>
+                <a:spcAft>
+                  <a:spcPts val="0"/>
+                </a:spcAft>
+              </a:pPr>
+              <a:r>
+                <a:rPr lang="zh-TW" altLang="en-US" sz="1400" dirty="0">
+                  <a:solidFill>
+                    <a:srgbClr val="000000"/>
+                  </a:solidFill>
+                  <a:latin typeface="Adobe 繁黑體 Std B" panose="020B0700000000000000" pitchFamily="34" charset="-120"/>
+                  <a:ea typeface="Adobe 繁黑體 Std B" panose="020B0700000000000000" pitchFamily="34" charset="-120"/>
+                  <a:cs typeface="Times New Roman" panose="02020603050405020304" pitchFamily="18" charset="0"/>
+                </a:rPr>
+                <a:t>海域施工安全專論</a:t>
+              </a:r>
+            </a:p>
+            <a:p>
+              <a:pPr>
+                <a:lnSpc>
+                  <a:spcPct val="150000"/>
+                </a:lnSpc>
+                <a:spcAft>
+                  <a:spcPts val="0"/>
+                </a:spcAft>
+              </a:pPr>
+              <a:r>
+                <a:rPr lang="zh-TW" altLang="en-US" sz="1400" dirty="0">
+                  <a:solidFill>
+                    <a:srgbClr val="000000"/>
+                  </a:solidFill>
+                  <a:latin typeface="Adobe 繁黑體 Std B" panose="020B0700000000000000" pitchFamily="34" charset="-120"/>
+                  <a:ea typeface="Adobe 繁黑體 Std B" panose="020B0700000000000000" pitchFamily="34" charset="-120"/>
+                  <a:cs typeface="Times New Roman" panose="02020603050405020304" pitchFamily="18" charset="0"/>
+                </a:rPr>
+                <a:t>海洋結構破壞調查與</a:t>
+              </a:r>
+              <a:r>
+                <a:rPr lang="zh-TW" altLang="en-US" sz="1400" dirty="0" smtClean="0">
+                  <a:solidFill>
+                    <a:srgbClr val="000000"/>
+                  </a:solidFill>
+                  <a:latin typeface="Adobe 繁黑體 Std B" panose="020B0700000000000000" pitchFamily="34" charset="-120"/>
+                  <a:ea typeface="Adobe 繁黑體 Std B" panose="020B0700000000000000" pitchFamily="34" charset="-120"/>
+                  <a:cs typeface="Times New Roman" panose="02020603050405020304" pitchFamily="18" charset="0"/>
+                </a:rPr>
+                <a:t>維護</a:t>
+              </a:r>
+              <a:endParaRPr lang="en-US" altLang="zh-TW" sz="1400" dirty="0" smtClean="0">
+                <a:solidFill>
+                  <a:srgbClr val="000000"/>
+                </a:solidFill>
                 <a:latin typeface="Adobe 繁黑體 Std B" panose="020B0700000000000000" pitchFamily="34" charset="-120"/>
                 <a:ea typeface="Adobe 繁黑體 Std B" panose="020B0700000000000000" pitchFamily="34" charset="-120"/>
-                <a:cs typeface="新細明體" panose="02020500000000000000" pitchFamily="18" charset="-120"/>
+                <a:cs typeface="Times New Roman" panose="02020603050405020304" pitchFamily="18" charset="0"/>
               </a:endParaRPr>
             </a:p>
             <a:p>
@@ -4076,135 +4210,16 @@
                 </a:spcAft>
               </a:pPr>
               <a:r>
-                <a:rPr lang="zh-TW" sz="1400" dirty="0">
+                <a:rPr lang="zh-TW" altLang="en-US" sz="1400" dirty="0">
                   <a:solidFill>
                     <a:srgbClr val="000000"/>
                   </a:solidFill>
-                  <a:effectLst/>
                   <a:latin typeface="Adobe 繁黑體 Std B" panose="020B0700000000000000" pitchFamily="34" charset="-120"/>
                   <a:ea typeface="Adobe 繁黑體 Std B" panose="020B0700000000000000" pitchFamily="34" charset="-120"/>
                   <a:cs typeface="Times New Roman" panose="02020603050405020304" pitchFamily="18" charset="0"/>
                 </a:rPr>
-                <a:t>施工船舶規劃</a:t>
+                <a:t>海洋防蝕工程</a:t>
               </a:r>
-              <a:endParaRPr lang="zh-TW" sz="1400" dirty="0">
-                <a:effectLst/>
-                <a:latin typeface="Adobe 繁黑體 Std B" panose="020B0700000000000000" pitchFamily="34" charset="-120"/>
-                <a:ea typeface="Adobe 繁黑體 Std B" panose="020B0700000000000000" pitchFamily="34" charset="-120"/>
-                <a:cs typeface="新細明體" panose="02020500000000000000" pitchFamily="18" charset="-120"/>
-              </a:endParaRPr>
-            </a:p>
-            <a:p>
-              <a:pPr>
-                <a:lnSpc>
-                  <a:spcPct val="150000"/>
-                </a:lnSpc>
-                <a:spcAft>
-                  <a:spcPts val="0"/>
-                </a:spcAft>
-              </a:pPr>
-              <a:r>
-                <a:rPr lang="zh-TW" sz="1400" dirty="0">
-                  <a:solidFill>
-                    <a:srgbClr val="000000"/>
-                  </a:solidFill>
-                  <a:effectLst/>
-                  <a:latin typeface="Adobe 繁黑體 Std B" panose="020B0700000000000000" pitchFamily="34" charset="-120"/>
-                  <a:ea typeface="Adobe 繁黑體 Std B" panose="020B0700000000000000" pitchFamily="34" charset="-120"/>
-                  <a:cs typeface="Times New Roman" panose="02020603050405020304" pitchFamily="18" charset="0"/>
-                </a:rPr>
-                <a:t>重件碼頭作業管理</a:t>
-              </a:r>
-              <a:endParaRPr lang="zh-TW" sz="1400" dirty="0">
-                <a:effectLst/>
-                <a:latin typeface="Adobe 繁黑體 Std B" panose="020B0700000000000000" pitchFamily="34" charset="-120"/>
-                <a:ea typeface="Adobe 繁黑體 Std B" panose="020B0700000000000000" pitchFamily="34" charset="-120"/>
-                <a:cs typeface="新細明體" panose="02020500000000000000" pitchFamily="18" charset="-120"/>
-              </a:endParaRPr>
-            </a:p>
-            <a:p>
-              <a:pPr>
-                <a:lnSpc>
-                  <a:spcPct val="150000"/>
-                </a:lnSpc>
-                <a:spcAft>
-                  <a:spcPts val="0"/>
-                </a:spcAft>
-              </a:pPr>
-              <a:r>
-                <a:rPr lang="zh-TW" sz="1400" dirty="0">
-                  <a:solidFill>
-                    <a:srgbClr val="000000"/>
-                  </a:solidFill>
-                  <a:effectLst/>
-                  <a:latin typeface="Adobe 繁黑體 Std B" panose="020B0700000000000000" pitchFamily="34" charset="-120"/>
-                  <a:ea typeface="Adobe 繁黑體 Std B" panose="020B0700000000000000" pitchFamily="34" charset="-120"/>
-                  <a:cs typeface="Times New Roman" panose="02020603050405020304" pitchFamily="18" charset="0"/>
-                </a:rPr>
-                <a:t>海事工程風險分析及管理</a:t>
-              </a:r>
-              <a:endParaRPr lang="zh-TW" sz="1400" dirty="0">
-                <a:effectLst/>
-                <a:latin typeface="Adobe 繁黑體 Std B" panose="020B0700000000000000" pitchFamily="34" charset="-120"/>
-                <a:ea typeface="Adobe 繁黑體 Std B" panose="020B0700000000000000" pitchFamily="34" charset="-120"/>
-                <a:cs typeface="新細明體" panose="02020500000000000000" pitchFamily="18" charset="-120"/>
-              </a:endParaRPr>
-            </a:p>
-            <a:p>
-              <a:pPr>
-                <a:lnSpc>
-                  <a:spcPct val="150000"/>
-                </a:lnSpc>
-                <a:spcAft>
-                  <a:spcPts val="0"/>
-                </a:spcAft>
-              </a:pPr>
-              <a:r>
-                <a:rPr lang="zh-TW" sz="1400" dirty="0">
-                  <a:solidFill>
-                    <a:srgbClr val="000000"/>
-                  </a:solidFill>
-                  <a:effectLst/>
-                  <a:latin typeface="Adobe 繁黑體 Std B" panose="020B0700000000000000" pitchFamily="34" charset="-120"/>
-                  <a:ea typeface="Adobe 繁黑體 Std B" panose="020B0700000000000000" pitchFamily="34" charset="-120"/>
-                  <a:cs typeface="Times New Roman" panose="02020603050405020304" pitchFamily="18" charset="0"/>
-                </a:rPr>
-                <a:t>工程契約與發包</a:t>
-              </a:r>
-              <a:endParaRPr lang="zh-TW" sz="1400" dirty="0">
-                <a:effectLst/>
-                <a:latin typeface="Adobe 繁黑體 Std B" panose="020B0700000000000000" pitchFamily="34" charset="-120"/>
-                <a:ea typeface="Adobe 繁黑體 Std B" panose="020B0700000000000000" pitchFamily="34" charset="-120"/>
-                <a:cs typeface="新細明體" panose="02020500000000000000" pitchFamily="18" charset="-120"/>
-              </a:endParaRPr>
-            </a:p>
-            <a:p>
-              <a:pPr>
-                <a:lnSpc>
-                  <a:spcPct val="150000"/>
-                </a:lnSpc>
-                <a:spcAft>
-                  <a:spcPts val="0"/>
-                </a:spcAft>
-              </a:pPr>
-              <a:r>
-                <a:rPr lang="zh-TW" sz="1400" dirty="0">
-                  <a:solidFill>
-                    <a:srgbClr val="000000"/>
-                  </a:solidFill>
-                  <a:effectLst/>
-                  <a:latin typeface="Adobe 繁黑體 Std B" panose="020B0700000000000000" pitchFamily="34" charset="-120"/>
-                  <a:ea typeface="Adobe 繁黑體 Std B" panose="020B0700000000000000" pitchFamily="34" charset="-120"/>
-                  <a:cs typeface="Times New Roman" panose="02020603050405020304" pitchFamily="18" charset="0"/>
-                </a:rPr>
-                <a:t>海域施工安全專論</a:t>
-              </a:r>
-              <a:endParaRPr lang="zh-TW" sz="1400" dirty="0">
-                <a:effectLst/>
-                <a:latin typeface="Adobe 繁黑體 Std B" panose="020B0700000000000000" pitchFamily="34" charset="-120"/>
-                <a:ea typeface="Adobe 繁黑體 Std B" panose="020B0700000000000000" pitchFamily="34" charset="-120"/>
-                <a:cs typeface="新細明體" panose="02020500000000000000" pitchFamily="18" charset="-120"/>
-              </a:endParaRPr>
             </a:p>
           </p:txBody>
         </p:sp>
